--- a/ppt 16-9/0852.怎样得福.pptx
+++ b/ppt 16-9/0852.怎样得福.pptx
@@ -129,7 +129,7 @@
           <p:cNvPr id="2" name="标题 1">
             <a:extLst>
               <a:ext uri="{FF2B5EF4-FFF2-40B4-BE49-F238E27FC236}">
-                <a16:creationId xmlns:a16="http://schemas.microsoft.com/office/drawing/2014/main" id="{0811C520-926C-3D01-E28A-AFBE90E6F185}"/>
+                <a16:creationId xmlns:a16="http://schemas.microsoft.com/office/drawing/2014/main" id="{01E89752-C5FC-4B52-72E3-9DAE8541F397}"/>
               </a:ext>
             </a:extLst>
           </p:cNvPr>
@@ -166,7 +166,7 @@
           <p:cNvPr id="3" name="副标题 2">
             <a:extLst>
               <a:ext uri="{FF2B5EF4-FFF2-40B4-BE49-F238E27FC236}">
-                <a16:creationId xmlns:a16="http://schemas.microsoft.com/office/drawing/2014/main" id="{EFEAE6E3-7B7C-019E-61EA-B9666036971C}"/>
+                <a16:creationId xmlns:a16="http://schemas.microsoft.com/office/drawing/2014/main" id="{2FFADCFA-B016-0F5D-3E4C-828F061A5367}"/>
               </a:ext>
             </a:extLst>
           </p:cNvPr>
@@ -236,7 +236,7 @@
           <p:cNvPr id="4" name="日期占位符 3">
             <a:extLst>
               <a:ext uri="{FF2B5EF4-FFF2-40B4-BE49-F238E27FC236}">
-                <a16:creationId xmlns:a16="http://schemas.microsoft.com/office/drawing/2014/main" id="{D4EE3FAA-2269-3E4D-E9FF-A6CBA8C8CC95}"/>
+                <a16:creationId xmlns:a16="http://schemas.microsoft.com/office/drawing/2014/main" id="{813D210E-BBA3-308E-D6AA-F8780052AEA8}"/>
               </a:ext>
             </a:extLst>
           </p:cNvPr>
@@ -252,7 +252,7 @@
           <a:bodyPr/>
           <a:lstStyle/>
           <a:p>
-            <a:fld id="{040BCF78-AE48-4B67-A45C-04175C2D5AD5}" type="datetimeFigureOut">
+            <a:fld id="{8CE45A09-A7C6-445F-A62E-BD052D4CDAB3}" type="datetimeFigureOut">
               <a:rPr lang="zh-CN" altLang="en-US" smtClean="0"/>
               <a:t>2024/3/10</a:t>
             </a:fld>
@@ -265,7 +265,7 @@
           <p:cNvPr id="5" name="页脚占位符 4">
             <a:extLst>
               <a:ext uri="{FF2B5EF4-FFF2-40B4-BE49-F238E27FC236}">
-                <a16:creationId xmlns:a16="http://schemas.microsoft.com/office/drawing/2014/main" id="{74E65241-97D1-5F8D-B525-D62F9A4BA40D}"/>
+                <a16:creationId xmlns:a16="http://schemas.microsoft.com/office/drawing/2014/main" id="{A5F8B63E-A5A7-C275-ABD3-BA42AE202F15}"/>
               </a:ext>
             </a:extLst>
           </p:cNvPr>
@@ -290,7 +290,7 @@
           <p:cNvPr id="6" name="灯片编号占位符 5">
             <a:extLst>
               <a:ext uri="{FF2B5EF4-FFF2-40B4-BE49-F238E27FC236}">
-                <a16:creationId xmlns:a16="http://schemas.microsoft.com/office/drawing/2014/main" id="{5C1B07BF-E3D8-8ECB-9D21-24B5ED8A8DCE}"/>
+                <a16:creationId xmlns:a16="http://schemas.microsoft.com/office/drawing/2014/main" id="{E2EC343E-B313-20CD-9FD0-F844CBAB56DC}"/>
               </a:ext>
             </a:extLst>
           </p:cNvPr>
@@ -306,7 +306,7 @@
           <a:bodyPr/>
           <a:lstStyle/>
           <a:p>
-            <a:fld id="{3B17C50D-ACC8-4B34-9A45-D5DF73A602A9}" type="slidenum">
+            <a:fld id="{B439605C-42ED-4479-8F6F-24601DB23203}" type="slidenum">
               <a:rPr lang="zh-CN" altLang="en-US" smtClean="0"/>
               <a:t>‹#›</a:t>
             </a:fld>
@@ -317,7 +317,7 @@
     </p:spTree>
     <p:extLst>
       <p:ext uri="{BB962C8B-B14F-4D97-AF65-F5344CB8AC3E}">
-        <p14:creationId xmlns:p14="http://schemas.microsoft.com/office/powerpoint/2010/main" val="2169276362"/>
+        <p14:creationId xmlns:p14="http://schemas.microsoft.com/office/powerpoint/2010/main" val="3170930395"/>
       </p:ext>
     </p:extLst>
   </p:cSld>
@@ -349,7 +349,7 @@
           <p:cNvPr id="2" name="标题 1">
             <a:extLst>
               <a:ext uri="{FF2B5EF4-FFF2-40B4-BE49-F238E27FC236}">
-                <a16:creationId xmlns:a16="http://schemas.microsoft.com/office/drawing/2014/main" id="{74DD8874-9946-0CE5-9E44-EF017BA6F1CB}"/>
+                <a16:creationId xmlns:a16="http://schemas.microsoft.com/office/drawing/2014/main" id="{52160C72-EEF9-8288-DEE7-0A47C15FACB1}"/>
               </a:ext>
             </a:extLst>
           </p:cNvPr>
@@ -377,7 +377,7 @@
           <p:cNvPr id="3" name="竖排文字占位符 2">
             <a:extLst>
               <a:ext uri="{FF2B5EF4-FFF2-40B4-BE49-F238E27FC236}">
-                <a16:creationId xmlns:a16="http://schemas.microsoft.com/office/drawing/2014/main" id="{ED50F0D7-75D4-8210-13D9-68B256C9527D}"/>
+                <a16:creationId xmlns:a16="http://schemas.microsoft.com/office/drawing/2014/main" id="{AD6AA923-425F-51FE-3BC0-8103640E9274}"/>
               </a:ext>
             </a:extLst>
           </p:cNvPr>
@@ -434,7 +434,7 @@
           <p:cNvPr id="4" name="日期占位符 3">
             <a:extLst>
               <a:ext uri="{FF2B5EF4-FFF2-40B4-BE49-F238E27FC236}">
-                <a16:creationId xmlns:a16="http://schemas.microsoft.com/office/drawing/2014/main" id="{A93A83FD-1F14-60A4-36D3-774045E62A64}"/>
+                <a16:creationId xmlns:a16="http://schemas.microsoft.com/office/drawing/2014/main" id="{86CE3AB3-99EE-CE14-063C-94D613BC93CF}"/>
               </a:ext>
             </a:extLst>
           </p:cNvPr>
@@ -450,7 +450,7 @@
           <a:bodyPr/>
           <a:lstStyle/>
           <a:p>
-            <a:fld id="{040BCF78-AE48-4B67-A45C-04175C2D5AD5}" type="datetimeFigureOut">
+            <a:fld id="{8CE45A09-A7C6-445F-A62E-BD052D4CDAB3}" type="datetimeFigureOut">
               <a:rPr lang="zh-CN" altLang="en-US" smtClean="0"/>
               <a:t>2024/3/10</a:t>
             </a:fld>
@@ -463,7 +463,7 @@
           <p:cNvPr id="5" name="页脚占位符 4">
             <a:extLst>
               <a:ext uri="{FF2B5EF4-FFF2-40B4-BE49-F238E27FC236}">
-                <a16:creationId xmlns:a16="http://schemas.microsoft.com/office/drawing/2014/main" id="{8B5041CF-602F-C6FD-FBCC-4A9C9DB88F55}"/>
+                <a16:creationId xmlns:a16="http://schemas.microsoft.com/office/drawing/2014/main" id="{D939C667-FDCB-12B0-A8BE-785FA2A341FF}"/>
               </a:ext>
             </a:extLst>
           </p:cNvPr>
@@ -488,7 +488,7 @@
           <p:cNvPr id="6" name="灯片编号占位符 5">
             <a:extLst>
               <a:ext uri="{FF2B5EF4-FFF2-40B4-BE49-F238E27FC236}">
-                <a16:creationId xmlns:a16="http://schemas.microsoft.com/office/drawing/2014/main" id="{C4018CF4-01FF-380A-1776-7874277C4326}"/>
+                <a16:creationId xmlns:a16="http://schemas.microsoft.com/office/drawing/2014/main" id="{897E6E91-4623-9D10-6FEF-299409B5E8A5}"/>
               </a:ext>
             </a:extLst>
           </p:cNvPr>
@@ -504,7 +504,7 @@
           <a:bodyPr/>
           <a:lstStyle/>
           <a:p>
-            <a:fld id="{3B17C50D-ACC8-4B34-9A45-D5DF73A602A9}" type="slidenum">
+            <a:fld id="{B439605C-42ED-4479-8F6F-24601DB23203}" type="slidenum">
               <a:rPr lang="zh-CN" altLang="en-US" smtClean="0"/>
               <a:t>‹#›</a:t>
             </a:fld>
@@ -515,7 +515,7 @@
     </p:spTree>
     <p:extLst>
       <p:ext uri="{BB962C8B-B14F-4D97-AF65-F5344CB8AC3E}">
-        <p14:creationId xmlns:p14="http://schemas.microsoft.com/office/powerpoint/2010/main" val="259244566"/>
+        <p14:creationId xmlns:p14="http://schemas.microsoft.com/office/powerpoint/2010/main" val="3802160831"/>
       </p:ext>
     </p:extLst>
   </p:cSld>
@@ -547,7 +547,7 @@
           <p:cNvPr id="2" name="竖排标题 1">
             <a:extLst>
               <a:ext uri="{FF2B5EF4-FFF2-40B4-BE49-F238E27FC236}">
-                <a16:creationId xmlns:a16="http://schemas.microsoft.com/office/drawing/2014/main" id="{F33280BA-F1B4-778E-7532-01D6B49FD2B5}"/>
+                <a16:creationId xmlns:a16="http://schemas.microsoft.com/office/drawing/2014/main" id="{D5466739-4B3E-9A39-5083-7D6CFC6F5E34}"/>
               </a:ext>
             </a:extLst>
           </p:cNvPr>
@@ -580,7 +580,7 @@
           <p:cNvPr id="3" name="竖排文字占位符 2">
             <a:extLst>
               <a:ext uri="{FF2B5EF4-FFF2-40B4-BE49-F238E27FC236}">
-                <a16:creationId xmlns:a16="http://schemas.microsoft.com/office/drawing/2014/main" id="{18CCBDCE-D243-8F36-7BD0-5008A4525D62}"/>
+                <a16:creationId xmlns:a16="http://schemas.microsoft.com/office/drawing/2014/main" id="{7D42ED3E-5A80-26BF-9A9E-C407C730C6BA}"/>
               </a:ext>
             </a:extLst>
           </p:cNvPr>
@@ -642,7 +642,7 @@
           <p:cNvPr id="4" name="日期占位符 3">
             <a:extLst>
               <a:ext uri="{FF2B5EF4-FFF2-40B4-BE49-F238E27FC236}">
-                <a16:creationId xmlns:a16="http://schemas.microsoft.com/office/drawing/2014/main" id="{CED046B7-7F07-9FF2-4BFB-B4A970E79400}"/>
+                <a16:creationId xmlns:a16="http://schemas.microsoft.com/office/drawing/2014/main" id="{D08F9B52-1D81-54D1-3FAC-1CD333F6630F}"/>
               </a:ext>
             </a:extLst>
           </p:cNvPr>
@@ -658,7 +658,7 @@
           <a:bodyPr/>
           <a:lstStyle/>
           <a:p>
-            <a:fld id="{040BCF78-AE48-4B67-A45C-04175C2D5AD5}" type="datetimeFigureOut">
+            <a:fld id="{8CE45A09-A7C6-445F-A62E-BD052D4CDAB3}" type="datetimeFigureOut">
               <a:rPr lang="zh-CN" altLang="en-US" smtClean="0"/>
               <a:t>2024/3/10</a:t>
             </a:fld>
@@ -671,7 +671,7 @@
           <p:cNvPr id="5" name="页脚占位符 4">
             <a:extLst>
               <a:ext uri="{FF2B5EF4-FFF2-40B4-BE49-F238E27FC236}">
-                <a16:creationId xmlns:a16="http://schemas.microsoft.com/office/drawing/2014/main" id="{FDF7ECF2-0A2B-FE45-CBAA-4BA68A35168D}"/>
+                <a16:creationId xmlns:a16="http://schemas.microsoft.com/office/drawing/2014/main" id="{377BD968-29EB-52BD-3006-46FD30A84B7B}"/>
               </a:ext>
             </a:extLst>
           </p:cNvPr>
@@ -696,7 +696,7 @@
           <p:cNvPr id="6" name="灯片编号占位符 5">
             <a:extLst>
               <a:ext uri="{FF2B5EF4-FFF2-40B4-BE49-F238E27FC236}">
-                <a16:creationId xmlns:a16="http://schemas.microsoft.com/office/drawing/2014/main" id="{E1026AAD-ABD2-09D3-6AFA-FC04F252550F}"/>
+                <a16:creationId xmlns:a16="http://schemas.microsoft.com/office/drawing/2014/main" id="{F18DDF4A-8FD5-B1AF-E44A-BE1C1CEB252B}"/>
               </a:ext>
             </a:extLst>
           </p:cNvPr>
@@ -712,7 +712,7 @@
           <a:bodyPr/>
           <a:lstStyle/>
           <a:p>
-            <a:fld id="{3B17C50D-ACC8-4B34-9A45-D5DF73A602A9}" type="slidenum">
+            <a:fld id="{B439605C-42ED-4479-8F6F-24601DB23203}" type="slidenum">
               <a:rPr lang="zh-CN" altLang="en-US" smtClean="0"/>
               <a:t>‹#›</a:t>
             </a:fld>
@@ -723,7 +723,7 @@
     </p:spTree>
     <p:extLst>
       <p:ext uri="{BB962C8B-B14F-4D97-AF65-F5344CB8AC3E}">
-        <p14:creationId xmlns:p14="http://schemas.microsoft.com/office/powerpoint/2010/main" val="3340366605"/>
+        <p14:creationId xmlns:p14="http://schemas.microsoft.com/office/powerpoint/2010/main" val="223118907"/>
       </p:ext>
     </p:extLst>
   </p:cSld>
@@ -755,7 +755,7 @@
           <p:cNvPr id="2" name="标题 1">
             <a:extLst>
               <a:ext uri="{FF2B5EF4-FFF2-40B4-BE49-F238E27FC236}">
-                <a16:creationId xmlns:a16="http://schemas.microsoft.com/office/drawing/2014/main" id="{60332F57-6229-C4B9-2609-43771785B542}"/>
+                <a16:creationId xmlns:a16="http://schemas.microsoft.com/office/drawing/2014/main" id="{68F65B38-9DBD-FEC7-539D-74172D9704C7}"/>
               </a:ext>
             </a:extLst>
           </p:cNvPr>
@@ -783,7 +783,7 @@
           <p:cNvPr id="3" name="内容占位符 2">
             <a:extLst>
               <a:ext uri="{FF2B5EF4-FFF2-40B4-BE49-F238E27FC236}">
-                <a16:creationId xmlns:a16="http://schemas.microsoft.com/office/drawing/2014/main" id="{F831E84F-CD80-0557-689C-75AF7D526A80}"/>
+                <a16:creationId xmlns:a16="http://schemas.microsoft.com/office/drawing/2014/main" id="{27D60B8C-114B-B5CF-9CDF-153D5AEE39C6}"/>
               </a:ext>
             </a:extLst>
           </p:cNvPr>
@@ -840,7 +840,7 @@
           <p:cNvPr id="4" name="日期占位符 3">
             <a:extLst>
               <a:ext uri="{FF2B5EF4-FFF2-40B4-BE49-F238E27FC236}">
-                <a16:creationId xmlns:a16="http://schemas.microsoft.com/office/drawing/2014/main" id="{97363F09-767D-7851-9633-0B73AE11A5F0}"/>
+                <a16:creationId xmlns:a16="http://schemas.microsoft.com/office/drawing/2014/main" id="{9013A0FA-E6A2-1079-C8F9-BB19B345EAD8}"/>
               </a:ext>
             </a:extLst>
           </p:cNvPr>
@@ -856,7 +856,7 @@
           <a:bodyPr/>
           <a:lstStyle/>
           <a:p>
-            <a:fld id="{040BCF78-AE48-4B67-A45C-04175C2D5AD5}" type="datetimeFigureOut">
+            <a:fld id="{8CE45A09-A7C6-445F-A62E-BD052D4CDAB3}" type="datetimeFigureOut">
               <a:rPr lang="zh-CN" altLang="en-US" smtClean="0"/>
               <a:t>2024/3/10</a:t>
             </a:fld>
@@ -869,7 +869,7 @@
           <p:cNvPr id="5" name="页脚占位符 4">
             <a:extLst>
               <a:ext uri="{FF2B5EF4-FFF2-40B4-BE49-F238E27FC236}">
-                <a16:creationId xmlns:a16="http://schemas.microsoft.com/office/drawing/2014/main" id="{F6F66AF8-D58E-6375-95B8-D73EE067B595}"/>
+                <a16:creationId xmlns:a16="http://schemas.microsoft.com/office/drawing/2014/main" id="{F46B9006-64A8-FF02-BD79-9E2AEC0E0F01}"/>
               </a:ext>
             </a:extLst>
           </p:cNvPr>
@@ -894,7 +894,7 @@
           <p:cNvPr id="6" name="灯片编号占位符 5">
             <a:extLst>
               <a:ext uri="{FF2B5EF4-FFF2-40B4-BE49-F238E27FC236}">
-                <a16:creationId xmlns:a16="http://schemas.microsoft.com/office/drawing/2014/main" id="{FD4B76CA-9E87-74B8-68DE-19FD165A08B0}"/>
+                <a16:creationId xmlns:a16="http://schemas.microsoft.com/office/drawing/2014/main" id="{897718F5-8B2C-B556-255A-5D88CE9CB0B7}"/>
               </a:ext>
             </a:extLst>
           </p:cNvPr>
@@ -910,7 +910,7 @@
           <a:bodyPr/>
           <a:lstStyle/>
           <a:p>
-            <a:fld id="{3B17C50D-ACC8-4B34-9A45-D5DF73A602A9}" type="slidenum">
+            <a:fld id="{B439605C-42ED-4479-8F6F-24601DB23203}" type="slidenum">
               <a:rPr lang="zh-CN" altLang="en-US" smtClean="0"/>
               <a:t>‹#›</a:t>
             </a:fld>
@@ -921,7 +921,7 @@
     </p:spTree>
     <p:extLst>
       <p:ext uri="{BB962C8B-B14F-4D97-AF65-F5344CB8AC3E}">
-        <p14:creationId xmlns:p14="http://schemas.microsoft.com/office/powerpoint/2010/main" val="4030273374"/>
+        <p14:creationId xmlns:p14="http://schemas.microsoft.com/office/powerpoint/2010/main" val="1863934889"/>
       </p:ext>
     </p:extLst>
   </p:cSld>
@@ -953,7 +953,7 @@
           <p:cNvPr id="2" name="标题 1">
             <a:extLst>
               <a:ext uri="{FF2B5EF4-FFF2-40B4-BE49-F238E27FC236}">
-                <a16:creationId xmlns:a16="http://schemas.microsoft.com/office/drawing/2014/main" id="{E1B48263-3CFE-7A23-4524-7814ACD7BD7A}"/>
+                <a16:creationId xmlns:a16="http://schemas.microsoft.com/office/drawing/2014/main" id="{73515A01-5E9D-47B1-4D85-79F9AD79531A}"/>
               </a:ext>
             </a:extLst>
           </p:cNvPr>
@@ -990,7 +990,7 @@
           <p:cNvPr id="3" name="文本占位符 2">
             <a:extLst>
               <a:ext uri="{FF2B5EF4-FFF2-40B4-BE49-F238E27FC236}">
-                <a16:creationId xmlns:a16="http://schemas.microsoft.com/office/drawing/2014/main" id="{E8CF2777-CF19-0A0E-7211-0B4A61D3F0F2}"/>
+                <a16:creationId xmlns:a16="http://schemas.microsoft.com/office/drawing/2014/main" id="{1ABEC6F5-6055-4A50-FD92-1F194E98B119}"/>
               </a:ext>
             </a:extLst>
           </p:cNvPr>
@@ -1115,7 +1115,7 @@
           <p:cNvPr id="4" name="日期占位符 3">
             <a:extLst>
               <a:ext uri="{FF2B5EF4-FFF2-40B4-BE49-F238E27FC236}">
-                <a16:creationId xmlns:a16="http://schemas.microsoft.com/office/drawing/2014/main" id="{122E34CB-CE92-FD40-14B7-2C4AE414170A}"/>
+                <a16:creationId xmlns:a16="http://schemas.microsoft.com/office/drawing/2014/main" id="{2C3B6D09-81AC-D98D-AFFC-C49CC691F2EA}"/>
               </a:ext>
             </a:extLst>
           </p:cNvPr>
@@ -1131,7 +1131,7 @@
           <a:bodyPr/>
           <a:lstStyle/>
           <a:p>
-            <a:fld id="{040BCF78-AE48-4B67-A45C-04175C2D5AD5}" type="datetimeFigureOut">
+            <a:fld id="{8CE45A09-A7C6-445F-A62E-BD052D4CDAB3}" type="datetimeFigureOut">
               <a:rPr lang="zh-CN" altLang="en-US" smtClean="0"/>
               <a:t>2024/3/10</a:t>
             </a:fld>
@@ -1144,7 +1144,7 @@
           <p:cNvPr id="5" name="页脚占位符 4">
             <a:extLst>
               <a:ext uri="{FF2B5EF4-FFF2-40B4-BE49-F238E27FC236}">
-                <a16:creationId xmlns:a16="http://schemas.microsoft.com/office/drawing/2014/main" id="{A15B5F52-D4FC-3E94-211B-AA308A120DE7}"/>
+                <a16:creationId xmlns:a16="http://schemas.microsoft.com/office/drawing/2014/main" id="{B0BFF8F9-9891-EA5E-71BE-951DB425D9B7}"/>
               </a:ext>
             </a:extLst>
           </p:cNvPr>
@@ -1169,7 +1169,7 @@
           <p:cNvPr id="6" name="灯片编号占位符 5">
             <a:extLst>
               <a:ext uri="{FF2B5EF4-FFF2-40B4-BE49-F238E27FC236}">
-                <a16:creationId xmlns:a16="http://schemas.microsoft.com/office/drawing/2014/main" id="{FD3B6263-AF34-5A37-04FA-6004D662E8DD}"/>
+                <a16:creationId xmlns:a16="http://schemas.microsoft.com/office/drawing/2014/main" id="{E46DCD50-572B-E7D2-36B4-ECC94E5C269D}"/>
               </a:ext>
             </a:extLst>
           </p:cNvPr>
@@ -1185,7 +1185,7 @@
           <a:bodyPr/>
           <a:lstStyle/>
           <a:p>
-            <a:fld id="{3B17C50D-ACC8-4B34-9A45-D5DF73A602A9}" type="slidenum">
+            <a:fld id="{B439605C-42ED-4479-8F6F-24601DB23203}" type="slidenum">
               <a:rPr lang="zh-CN" altLang="en-US" smtClean="0"/>
               <a:t>‹#›</a:t>
             </a:fld>
@@ -1196,7 +1196,7 @@
     </p:spTree>
     <p:extLst>
       <p:ext uri="{BB962C8B-B14F-4D97-AF65-F5344CB8AC3E}">
-        <p14:creationId xmlns:p14="http://schemas.microsoft.com/office/powerpoint/2010/main" val="3197975640"/>
+        <p14:creationId xmlns:p14="http://schemas.microsoft.com/office/powerpoint/2010/main" val="4026569783"/>
       </p:ext>
     </p:extLst>
   </p:cSld>
@@ -1228,7 +1228,7 @@
           <p:cNvPr id="2" name="标题 1">
             <a:extLst>
               <a:ext uri="{FF2B5EF4-FFF2-40B4-BE49-F238E27FC236}">
-                <a16:creationId xmlns:a16="http://schemas.microsoft.com/office/drawing/2014/main" id="{EF8C4DB0-68CA-F0BE-00B2-C9AD3B786133}"/>
+                <a16:creationId xmlns:a16="http://schemas.microsoft.com/office/drawing/2014/main" id="{C2C7E6EC-1279-B051-C5EC-A9FE2F385548}"/>
               </a:ext>
             </a:extLst>
           </p:cNvPr>
@@ -1256,7 +1256,7 @@
           <p:cNvPr id="3" name="内容占位符 2">
             <a:extLst>
               <a:ext uri="{FF2B5EF4-FFF2-40B4-BE49-F238E27FC236}">
-                <a16:creationId xmlns:a16="http://schemas.microsoft.com/office/drawing/2014/main" id="{97C7926D-699C-A23D-D746-559432CF3C34}"/>
+                <a16:creationId xmlns:a16="http://schemas.microsoft.com/office/drawing/2014/main" id="{6AEDE092-9FBD-216E-559B-0D08A1ECD638}"/>
               </a:ext>
             </a:extLst>
           </p:cNvPr>
@@ -1318,7 +1318,7 @@
           <p:cNvPr id="4" name="内容占位符 3">
             <a:extLst>
               <a:ext uri="{FF2B5EF4-FFF2-40B4-BE49-F238E27FC236}">
-                <a16:creationId xmlns:a16="http://schemas.microsoft.com/office/drawing/2014/main" id="{307918B9-4BCB-1F03-9D33-05E7685C392B}"/>
+                <a16:creationId xmlns:a16="http://schemas.microsoft.com/office/drawing/2014/main" id="{A447700E-C81B-0BFE-AF10-CB257BDCFAFD}"/>
               </a:ext>
             </a:extLst>
           </p:cNvPr>
@@ -1380,7 +1380,7 @@
           <p:cNvPr id="5" name="日期占位符 4">
             <a:extLst>
               <a:ext uri="{FF2B5EF4-FFF2-40B4-BE49-F238E27FC236}">
-                <a16:creationId xmlns:a16="http://schemas.microsoft.com/office/drawing/2014/main" id="{2F60F6B8-1A0E-BBC5-98C4-1A51A413352E}"/>
+                <a16:creationId xmlns:a16="http://schemas.microsoft.com/office/drawing/2014/main" id="{6179D948-AEF5-2055-6CD8-A9F23F07FC8E}"/>
               </a:ext>
             </a:extLst>
           </p:cNvPr>
@@ -1396,7 +1396,7 @@
           <a:bodyPr/>
           <a:lstStyle/>
           <a:p>
-            <a:fld id="{040BCF78-AE48-4B67-A45C-04175C2D5AD5}" type="datetimeFigureOut">
+            <a:fld id="{8CE45A09-A7C6-445F-A62E-BD052D4CDAB3}" type="datetimeFigureOut">
               <a:rPr lang="zh-CN" altLang="en-US" smtClean="0"/>
               <a:t>2024/3/10</a:t>
             </a:fld>
@@ -1409,7 +1409,7 @@
           <p:cNvPr id="6" name="页脚占位符 5">
             <a:extLst>
               <a:ext uri="{FF2B5EF4-FFF2-40B4-BE49-F238E27FC236}">
-                <a16:creationId xmlns:a16="http://schemas.microsoft.com/office/drawing/2014/main" id="{4BAD0A75-FC09-2196-B3B2-65458A18BB9A}"/>
+                <a16:creationId xmlns:a16="http://schemas.microsoft.com/office/drawing/2014/main" id="{4DAAB25C-B9DD-92AF-F1D7-460D30DC4F83}"/>
               </a:ext>
             </a:extLst>
           </p:cNvPr>
@@ -1434,7 +1434,7 @@
           <p:cNvPr id="7" name="灯片编号占位符 6">
             <a:extLst>
               <a:ext uri="{FF2B5EF4-FFF2-40B4-BE49-F238E27FC236}">
-                <a16:creationId xmlns:a16="http://schemas.microsoft.com/office/drawing/2014/main" id="{F4C92BC7-876F-8318-6F5C-9B117E7920EB}"/>
+                <a16:creationId xmlns:a16="http://schemas.microsoft.com/office/drawing/2014/main" id="{5F1E4E44-6C01-5E80-1343-68E58D7B0CEA}"/>
               </a:ext>
             </a:extLst>
           </p:cNvPr>
@@ -1450,7 +1450,7 @@
           <a:bodyPr/>
           <a:lstStyle/>
           <a:p>
-            <a:fld id="{3B17C50D-ACC8-4B34-9A45-D5DF73A602A9}" type="slidenum">
+            <a:fld id="{B439605C-42ED-4479-8F6F-24601DB23203}" type="slidenum">
               <a:rPr lang="zh-CN" altLang="en-US" smtClean="0"/>
               <a:t>‹#›</a:t>
             </a:fld>
@@ -1461,7 +1461,7 @@
     </p:spTree>
     <p:extLst>
       <p:ext uri="{BB962C8B-B14F-4D97-AF65-F5344CB8AC3E}">
-        <p14:creationId xmlns:p14="http://schemas.microsoft.com/office/powerpoint/2010/main" val="1949630683"/>
+        <p14:creationId xmlns:p14="http://schemas.microsoft.com/office/powerpoint/2010/main" val="856661664"/>
       </p:ext>
     </p:extLst>
   </p:cSld>
@@ -1493,7 +1493,7 @@
           <p:cNvPr id="2" name="标题 1">
             <a:extLst>
               <a:ext uri="{FF2B5EF4-FFF2-40B4-BE49-F238E27FC236}">
-                <a16:creationId xmlns:a16="http://schemas.microsoft.com/office/drawing/2014/main" id="{4F40CA60-B240-248B-7511-F4AC34507D68}"/>
+                <a16:creationId xmlns:a16="http://schemas.microsoft.com/office/drawing/2014/main" id="{E2627BC4-E21A-8CC0-FB7E-2ACFEFB6F408}"/>
               </a:ext>
             </a:extLst>
           </p:cNvPr>
@@ -1526,7 +1526,7 @@
           <p:cNvPr id="3" name="文本占位符 2">
             <a:extLst>
               <a:ext uri="{FF2B5EF4-FFF2-40B4-BE49-F238E27FC236}">
-                <a16:creationId xmlns:a16="http://schemas.microsoft.com/office/drawing/2014/main" id="{3F01075D-422E-3F85-5B0C-E6B9BD301131}"/>
+                <a16:creationId xmlns:a16="http://schemas.microsoft.com/office/drawing/2014/main" id="{DDB0DD71-C347-D523-2B9A-620CCB946E87}"/>
               </a:ext>
             </a:extLst>
           </p:cNvPr>
@@ -1597,7 +1597,7 @@
           <p:cNvPr id="4" name="内容占位符 3">
             <a:extLst>
               <a:ext uri="{FF2B5EF4-FFF2-40B4-BE49-F238E27FC236}">
-                <a16:creationId xmlns:a16="http://schemas.microsoft.com/office/drawing/2014/main" id="{698E9424-3166-E53B-C2E1-F296199BD12D}"/>
+                <a16:creationId xmlns:a16="http://schemas.microsoft.com/office/drawing/2014/main" id="{56A3B8D2-C5A0-567B-4C66-7CE66BE02B61}"/>
               </a:ext>
             </a:extLst>
           </p:cNvPr>
@@ -1659,7 +1659,7 @@
           <p:cNvPr id="5" name="文本占位符 4">
             <a:extLst>
               <a:ext uri="{FF2B5EF4-FFF2-40B4-BE49-F238E27FC236}">
-                <a16:creationId xmlns:a16="http://schemas.microsoft.com/office/drawing/2014/main" id="{36C7CDB4-5944-8FD2-DDBE-67741EB1FADA}"/>
+                <a16:creationId xmlns:a16="http://schemas.microsoft.com/office/drawing/2014/main" id="{285D2E38-BF37-43BD-9012-0769D20A75AF}"/>
               </a:ext>
             </a:extLst>
           </p:cNvPr>
@@ -1730,7 +1730,7 @@
           <p:cNvPr id="6" name="内容占位符 5">
             <a:extLst>
               <a:ext uri="{FF2B5EF4-FFF2-40B4-BE49-F238E27FC236}">
-                <a16:creationId xmlns:a16="http://schemas.microsoft.com/office/drawing/2014/main" id="{3B286C53-F3BE-4437-9471-C12E055E45F5}"/>
+                <a16:creationId xmlns:a16="http://schemas.microsoft.com/office/drawing/2014/main" id="{3313FF3C-6EC6-3EC7-6FE8-59396127A72F}"/>
               </a:ext>
             </a:extLst>
           </p:cNvPr>
@@ -1792,7 +1792,7 @@
           <p:cNvPr id="7" name="日期占位符 6">
             <a:extLst>
               <a:ext uri="{FF2B5EF4-FFF2-40B4-BE49-F238E27FC236}">
-                <a16:creationId xmlns:a16="http://schemas.microsoft.com/office/drawing/2014/main" id="{FCD567EB-6799-C4C6-5CBC-749173EDD674}"/>
+                <a16:creationId xmlns:a16="http://schemas.microsoft.com/office/drawing/2014/main" id="{87381544-5872-E370-9B9F-C4BE1C007014}"/>
               </a:ext>
             </a:extLst>
           </p:cNvPr>
@@ -1808,7 +1808,7 @@
           <a:bodyPr/>
           <a:lstStyle/>
           <a:p>
-            <a:fld id="{040BCF78-AE48-4B67-A45C-04175C2D5AD5}" type="datetimeFigureOut">
+            <a:fld id="{8CE45A09-A7C6-445F-A62E-BD052D4CDAB3}" type="datetimeFigureOut">
               <a:rPr lang="zh-CN" altLang="en-US" smtClean="0"/>
               <a:t>2024/3/10</a:t>
             </a:fld>
@@ -1821,7 +1821,7 @@
           <p:cNvPr id="8" name="页脚占位符 7">
             <a:extLst>
               <a:ext uri="{FF2B5EF4-FFF2-40B4-BE49-F238E27FC236}">
-                <a16:creationId xmlns:a16="http://schemas.microsoft.com/office/drawing/2014/main" id="{7C85CBCB-D901-D5C5-1D1B-F61A3B2878DB}"/>
+                <a16:creationId xmlns:a16="http://schemas.microsoft.com/office/drawing/2014/main" id="{53A572D4-B5FA-9B05-6879-039B98B9F26B}"/>
               </a:ext>
             </a:extLst>
           </p:cNvPr>
@@ -1846,7 +1846,7 @@
           <p:cNvPr id="9" name="灯片编号占位符 8">
             <a:extLst>
               <a:ext uri="{FF2B5EF4-FFF2-40B4-BE49-F238E27FC236}">
-                <a16:creationId xmlns:a16="http://schemas.microsoft.com/office/drawing/2014/main" id="{3DF0D73F-76B6-2BDF-231A-6DC95137CFDB}"/>
+                <a16:creationId xmlns:a16="http://schemas.microsoft.com/office/drawing/2014/main" id="{EE9495C4-9E7A-A3F8-B5A3-30E4C253BC64}"/>
               </a:ext>
             </a:extLst>
           </p:cNvPr>
@@ -1862,7 +1862,7 @@
           <a:bodyPr/>
           <a:lstStyle/>
           <a:p>
-            <a:fld id="{3B17C50D-ACC8-4B34-9A45-D5DF73A602A9}" type="slidenum">
+            <a:fld id="{B439605C-42ED-4479-8F6F-24601DB23203}" type="slidenum">
               <a:rPr lang="zh-CN" altLang="en-US" smtClean="0"/>
               <a:t>‹#›</a:t>
             </a:fld>
@@ -1873,7 +1873,7 @@
     </p:spTree>
     <p:extLst>
       <p:ext uri="{BB962C8B-B14F-4D97-AF65-F5344CB8AC3E}">
-        <p14:creationId xmlns:p14="http://schemas.microsoft.com/office/powerpoint/2010/main" val="955640700"/>
+        <p14:creationId xmlns:p14="http://schemas.microsoft.com/office/powerpoint/2010/main" val="3893230431"/>
       </p:ext>
     </p:extLst>
   </p:cSld>
@@ -1905,7 +1905,7 @@
           <p:cNvPr id="2" name="标题 1">
             <a:extLst>
               <a:ext uri="{FF2B5EF4-FFF2-40B4-BE49-F238E27FC236}">
-                <a16:creationId xmlns:a16="http://schemas.microsoft.com/office/drawing/2014/main" id="{B619C500-D872-81AC-77FA-961EF82D30B7}"/>
+                <a16:creationId xmlns:a16="http://schemas.microsoft.com/office/drawing/2014/main" id="{7088FAF0-21C8-A3D9-C5A9-815193D9C80B}"/>
               </a:ext>
             </a:extLst>
           </p:cNvPr>
@@ -1933,7 +1933,7 @@
           <p:cNvPr id="3" name="日期占位符 2">
             <a:extLst>
               <a:ext uri="{FF2B5EF4-FFF2-40B4-BE49-F238E27FC236}">
-                <a16:creationId xmlns:a16="http://schemas.microsoft.com/office/drawing/2014/main" id="{CAE74FA4-7C8F-38AF-AE08-A0E1802DDAAA}"/>
+                <a16:creationId xmlns:a16="http://schemas.microsoft.com/office/drawing/2014/main" id="{5BA09DC9-0423-3969-A267-5174E2A454AE}"/>
               </a:ext>
             </a:extLst>
           </p:cNvPr>
@@ -1949,7 +1949,7 @@
           <a:bodyPr/>
           <a:lstStyle/>
           <a:p>
-            <a:fld id="{040BCF78-AE48-4B67-A45C-04175C2D5AD5}" type="datetimeFigureOut">
+            <a:fld id="{8CE45A09-A7C6-445F-A62E-BD052D4CDAB3}" type="datetimeFigureOut">
               <a:rPr lang="zh-CN" altLang="en-US" smtClean="0"/>
               <a:t>2024/3/10</a:t>
             </a:fld>
@@ -1962,7 +1962,7 @@
           <p:cNvPr id="4" name="页脚占位符 3">
             <a:extLst>
               <a:ext uri="{FF2B5EF4-FFF2-40B4-BE49-F238E27FC236}">
-                <a16:creationId xmlns:a16="http://schemas.microsoft.com/office/drawing/2014/main" id="{9828BB2A-F933-8367-A3EA-C8B94C023814}"/>
+                <a16:creationId xmlns:a16="http://schemas.microsoft.com/office/drawing/2014/main" id="{E9C8866F-E44F-C6CD-9C18-A16EF1C854F0}"/>
               </a:ext>
             </a:extLst>
           </p:cNvPr>
@@ -1987,7 +1987,7 @@
           <p:cNvPr id="5" name="灯片编号占位符 4">
             <a:extLst>
               <a:ext uri="{FF2B5EF4-FFF2-40B4-BE49-F238E27FC236}">
-                <a16:creationId xmlns:a16="http://schemas.microsoft.com/office/drawing/2014/main" id="{98B9EFA1-9412-9243-0CE5-CDD1E37EF41A}"/>
+                <a16:creationId xmlns:a16="http://schemas.microsoft.com/office/drawing/2014/main" id="{740C002F-37C9-8F87-8C41-58D7486CB1D5}"/>
               </a:ext>
             </a:extLst>
           </p:cNvPr>
@@ -2003,7 +2003,7 @@
           <a:bodyPr/>
           <a:lstStyle/>
           <a:p>
-            <a:fld id="{3B17C50D-ACC8-4B34-9A45-D5DF73A602A9}" type="slidenum">
+            <a:fld id="{B439605C-42ED-4479-8F6F-24601DB23203}" type="slidenum">
               <a:rPr lang="zh-CN" altLang="en-US" smtClean="0"/>
               <a:t>‹#›</a:t>
             </a:fld>
@@ -2014,7 +2014,7 @@
     </p:spTree>
     <p:extLst>
       <p:ext uri="{BB962C8B-B14F-4D97-AF65-F5344CB8AC3E}">
-        <p14:creationId xmlns:p14="http://schemas.microsoft.com/office/powerpoint/2010/main" val="880647333"/>
+        <p14:creationId xmlns:p14="http://schemas.microsoft.com/office/powerpoint/2010/main" val="3531484840"/>
       </p:ext>
     </p:extLst>
   </p:cSld>
@@ -2046,7 +2046,7 @@
           <p:cNvPr id="2" name="日期占位符 1">
             <a:extLst>
               <a:ext uri="{FF2B5EF4-FFF2-40B4-BE49-F238E27FC236}">
-                <a16:creationId xmlns:a16="http://schemas.microsoft.com/office/drawing/2014/main" id="{566DEB52-2787-601D-078B-9CFD87D85DFA}"/>
+                <a16:creationId xmlns:a16="http://schemas.microsoft.com/office/drawing/2014/main" id="{A62728D2-F493-5838-4DF2-CF9C52FA7321}"/>
               </a:ext>
             </a:extLst>
           </p:cNvPr>
@@ -2062,7 +2062,7 @@
           <a:bodyPr/>
           <a:lstStyle/>
           <a:p>
-            <a:fld id="{040BCF78-AE48-4B67-A45C-04175C2D5AD5}" type="datetimeFigureOut">
+            <a:fld id="{8CE45A09-A7C6-445F-A62E-BD052D4CDAB3}" type="datetimeFigureOut">
               <a:rPr lang="zh-CN" altLang="en-US" smtClean="0"/>
               <a:t>2024/3/10</a:t>
             </a:fld>
@@ -2075,7 +2075,7 @@
           <p:cNvPr id="3" name="页脚占位符 2">
             <a:extLst>
               <a:ext uri="{FF2B5EF4-FFF2-40B4-BE49-F238E27FC236}">
-                <a16:creationId xmlns:a16="http://schemas.microsoft.com/office/drawing/2014/main" id="{04D8EC01-1855-9E2F-1738-453D7A7AE989}"/>
+                <a16:creationId xmlns:a16="http://schemas.microsoft.com/office/drawing/2014/main" id="{56C2CA1F-DEAE-47F6-82D7-CF38939DB493}"/>
               </a:ext>
             </a:extLst>
           </p:cNvPr>
@@ -2100,7 +2100,7 @@
           <p:cNvPr id="4" name="灯片编号占位符 3">
             <a:extLst>
               <a:ext uri="{FF2B5EF4-FFF2-40B4-BE49-F238E27FC236}">
-                <a16:creationId xmlns:a16="http://schemas.microsoft.com/office/drawing/2014/main" id="{137F6AB6-4B63-88F5-019E-2E3837B7F4CA}"/>
+                <a16:creationId xmlns:a16="http://schemas.microsoft.com/office/drawing/2014/main" id="{A4C389F1-6B2A-8F67-8CC7-44F1CEF2AC43}"/>
               </a:ext>
             </a:extLst>
           </p:cNvPr>
@@ -2116,7 +2116,7 @@
           <a:bodyPr/>
           <a:lstStyle/>
           <a:p>
-            <a:fld id="{3B17C50D-ACC8-4B34-9A45-D5DF73A602A9}" type="slidenum">
+            <a:fld id="{B439605C-42ED-4479-8F6F-24601DB23203}" type="slidenum">
               <a:rPr lang="zh-CN" altLang="en-US" smtClean="0"/>
               <a:t>‹#›</a:t>
             </a:fld>
@@ -2127,7 +2127,7 @@
     </p:spTree>
     <p:extLst>
       <p:ext uri="{BB962C8B-B14F-4D97-AF65-F5344CB8AC3E}">
-        <p14:creationId xmlns:p14="http://schemas.microsoft.com/office/powerpoint/2010/main" val="905495108"/>
+        <p14:creationId xmlns:p14="http://schemas.microsoft.com/office/powerpoint/2010/main" val="3111201828"/>
       </p:ext>
     </p:extLst>
   </p:cSld>
@@ -2159,7 +2159,7 @@
           <p:cNvPr id="2" name="标题 1">
             <a:extLst>
               <a:ext uri="{FF2B5EF4-FFF2-40B4-BE49-F238E27FC236}">
-                <a16:creationId xmlns:a16="http://schemas.microsoft.com/office/drawing/2014/main" id="{DE973453-71F0-AF1F-F0F7-67413E8936FD}"/>
+                <a16:creationId xmlns:a16="http://schemas.microsoft.com/office/drawing/2014/main" id="{17264A78-3ADD-1F58-A705-167088B2CF64}"/>
               </a:ext>
             </a:extLst>
           </p:cNvPr>
@@ -2196,7 +2196,7 @@
           <p:cNvPr id="3" name="内容占位符 2">
             <a:extLst>
               <a:ext uri="{FF2B5EF4-FFF2-40B4-BE49-F238E27FC236}">
-                <a16:creationId xmlns:a16="http://schemas.microsoft.com/office/drawing/2014/main" id="{46B68881-44D5-8457-2D29-308A547FE328}"/>
+                <a16:creationId xmlns:a16="http://schemas.microsoft.com/office/drawing/2014/main" id="{048ECB31-48BD-8BBF-B045-904229A375C0}"/>
               </a:ext>
             </a:extLst>
           </p:cNvPr>
@@ -2286,7 +2286,7 @@
           <p:cNvPr id="4" name="文本占位符 3">
             <a:extLst>
               <a:ext uri="{FF2B5EF4-FFF2-40B4-BE49-F238E27FC236}">
-                <a16:creationId xmlns:a16="http://schemas.microsoft.com/office/drawing/2014/main" id="{6A764FBB-1DEC-C159-6199-CB69EEC2E9B6}"/>
+                <a16:creationId xmlns:a16="http://schemas.microsoft.com/office/drawing/2014/main" id="{6BD7FCDF-5426-E49C-BB00-D35D6C2FCA98}"/>
               </a:ext>
             </a:extLst>
           </p:cNvPr>
@@ -2357,7 +2357,7 @@
           <p:cNvPr id="5" name="日期占位符 4">
             <a:extLst>
               <a:ext uri="{FF2B5EF4-FFF2-40B4-BE49-F238E27FC236}">
-                <a16:creationId xmlns:a16="http://schemas.microsoft.com/office/drawing/2014/main" id="{B804FC69-D1D6-A6ED-A0F3-77D4492B3AD8}"/>
+                <a16:creationId xmlns:a16="http://schemas.microsoft.com/office/drawing/2014/main" id="{D66286D1-A595-CFEC-90EC-0E8B2C6811C5}"/>
               </a:ext>
             </a:extLst>
           </p:cNvPr>
@@ -2373,7 +2373,7 @@
           <a:bodyPr/>
           <a:lstStyle/>
           <a:p>
-            <a:fld id="{040BCF78-AE48-4B67-A45C-04175C2D5AD5}" type="datetimeFigureOut">
+            <a:fld id="{8CE45A09-A7C6-445F-A62E-BD052D4CDAB3}" type="datetimeFigureOut">
               <a:rPr lang="zh-CN" altLang="en-US" smtClean="0"/>
               <a:t>2024/3/10</a:t>
             </a:fld>
@@ -2386,7 +2386,7 @@
           <p:cNvPr id="6" name="页脚占位符 5">
             <a:extLst>
               <a:ext uri="{FF2B5EF4-FFF2-40B4-BE49-F238E27FC236}">
-                <a16:creationId xmlns:a16="http://schemas.microsoft.com/office/drawing/2014/main" id="{C244EFC8-8E6D-819E-8B8A-28416E8322E7}"/>
+                <a16:creationId xmlns:a16="http://schemas.microsoft.com/office/drawing/2014/main" id="{0D5C11B1-BE2D-D26C-1F6B-0E8C6AAB97CC}"/>
               </a:ext>
             </a:extLst>
           </p:cNvPr>
@@ -2411,7 +2411,7 @@
           <p:cNvPr id="7" name="灯片编号占位符 6">
             <a:extLst>
               <a:ext uri="{FF2B5EF4-FFF2-40B4-BE49-F238E27FC236}">
-                <a16:creationId xmlns:a16="http://schemas.microsoft.com/office/drawing/2014/main" id="{DB4414AA-53CD-AA15-A639-AF4EFEB270C2}"/>
+                <a16:creationId xmlns:a16="http://schemas.microsoft.com/office/drawing/2014/main" id="{C3BF1930-0411-424B-C875-B76C6F2BA7C2}"/>
               </a:ext>
             </a:extLst>
           </p:cNvPr>
@@ -2427,7 +2427,7 @@
           <a:bodyPr/>
           <a:lstStyle/>
           <a:p>
-            <a:fld id="{3B17C50D-ACC8-4B34-9A45-D5DF73A602A9}" type="slidenum">
+            <a:fld id="{B439605C-42ED-4479-8F6F-24601DB23203}" type="slidenum">
               <a:rPr lang="zh-CN" altLang="en-US" smtClean="0"/>
               <a:t>‹#›</a:t>
             </a:fld>
@@ -2438,7 +2438,7 @@
     </p:spTree>
     <p:extLst>
       <p:ext uri="{BB962C8B-B14F-4D97-AF65-F5344CB8AC3E}">
-        <p14:creationId xmlns:p14="http://schemas.microsoft.com/office/powerpoint/2010/main" val="4206613659"/>
+        <p14:creationId xmlns:p14="http://schemas.microsoft.com/office/powerpoint/2010/main" val="3621936128"/>
       </p:ext>
     </p:extLst>
   </p:cSld>
@@ -2470,7 +2470,7 @@
           <p:cNvPr id="2" name="标题 1">
             <a:extLst>
               <a:ext uri="{FF2B5EF4-FFF2-40B4-BE49-F238E27FC236}">
-                <a16:creationId xmlns:a16="http://schemas.microsoft.com/office/drawing/2014/main" id="{109C5579-E622-1CB1-72D9-CD8448D238B2}"/>
+                <a16:creationId xmlns:a16="http://schemas.microsoft.com/office/drawing/2014/main" id="{176B3876-DED7-8094-178C-EF1630DF6485}"/>
               </a:ext>
             </a:extLst>
           </p:cNvPr>
@@ -2507,7 +2507,7 @@
           <p:cNvPr id="3" name="图片占位符 2">
             <a:extLst>
               <a:ext uri="{FF2B5EF4-FFF2-40B4-BE49-F238E27FC236}">
-                <a16:creationId xmlns:a16="http://schemas.microsoft.com/office/drawing/2014/main" id="{3527349D-DC84-545B-A688-F8F7869181F4}"/>
+                <a16:creationId xmlns:a16="http://schemas.microsoft.com/office/drawing/2014/main" id="{24A6773A-9CB7-64FE-FD55-6F2842797C09}"/>
               </a:ext>
             </a:extLst>
           </p:cNvPr>
@@ -2574,7 +2574,7 @@
           <p:cNvPr id="4" name="文本占位符 3">
             <a:extLst>
               <a:ext uri="{FF2B5EF4-FFF2-40B4-BE49-F238E27FC236}">
-                <a16:creationId xmlns:a16="http://schemas.microsoft.com/office/drawing/2014/main" id="{907E40DC-18BA-FC8C-7EE1-BD71AC45AE2E}"/>
+                <a16:creationId xmlns:a16="http://schemas.microsoft.com/office/drawing/2014/main" id="{AF54EF6A-D6B1-F1D1-B576-FD1C8286E234}"/>
               </a:ext>
             </a:extLst>
           </p:cNvPr>
@@ -2645,7 +2645,7 @@
           <p:cNvPr id="5" name="日期占位符 4">
             <a:extLst>
               <a:ext uri="{FF2B5EF4-FFF2-40B4-BE49-F238E27FC236}">
-                <a16:creationId xmlns:a16="http://schemas.microsoft.com/office/drawing/2014/main" id="{64856A26-D670-33AD-5D75-694F9E3C81C3}"/>
+                <a16:creationId xmlns:a16="http://schemas.microsoft.com/office/drawing/2014/main" id="{EEDD7E17-A0A3-0346-9BDB-3758C4F025E1}"/>
               </a:ext>
             </a:extLst>
           </p:cNvPr>
@@ -2661,7 +2661,7 @@
           <a:bodyPr/>
           <a:lstStyle/>
           <a:p>
-            <a:fld id="{040BCF78-AE48-4B67-A45C-04175C2D5AD5}" type="datetimeFigureOut">
+            <a:fld id="{8CE45A09-A7C6-445F-A62E-BD052D4CDAB3}" type="datetimeFigureOut">
               <a:rPr lang="zh-CN" altLang="en-US" smtClean="0"/>
               <a:t>2024/3/10</a:t>
             </a:fld>
@@ -2674,7 +2674,7 @@
           <p:cNvPr id="6" name="页脚占位符 5">
             <a:extLst>
               <a:ext uri="{FF2B5EF4-FFF2-40B4-BE49-F238E27FC236}">
-                <a16:creationId xmlns:a16="http://schemas.microsoft.com/office/drawing/2014/main" id="{1FA7E140-2F7D-C072-87D9-CB2B75746AC8}"/>
+                <a16:creationId xmlns:a16="http://schemas.microsoft.com/office/drawing/2014/main" id="{7F3C4D9C-28BE-EAC6-A1D3-0F0422781594}"/>
               </a:ext>
             </a:extLst>
           </p:cNvPr>
@@ -2699,7 +2699,7 @@
           <p:cNvPr id="7" name="灯片编号占位符 6">
             <a:extLst>
               <a:ext uri="{FF2B5EF4-FFF2-40B4-BE49-F238E27FC236}">
-                <a16:creationId xmlns:a16="http://schemas.microsoft.com/office/drawing/2014/main" id="{A9E5AA9B-F111-9E0B-9B95-E03084C848BC}"/>
+                <a16:creationId xmlns:a16="http://schemas.microsoft.com/office/drawing/2014/main" id="{C9BE36CD-C17E-CE87-544A-6B2274394C3B}"/>
               </a:ext>
             </a:extLst>
           </p:cNvPr>
@@ -2715,7 +2715,7 @@
           <a:bodyPr/>
           <a:lstStyle/>
           <a:p>
-            <a:fld id="{3B17C50D-ACC8-4B34-9A45-D5DF73A602A9}" type="slidenum">
+            <a:fld id="{B439605C-42ED-4479-8F6F-24601DB23203}" type="slidenum">
               <a:rPr lang="zh-CN" altLang="en-US" smtClean="0"/>
               <a:t>‹#›</a:t>
             </a:fld>
@@ -2726,7 +2726,7 @@
     </p:spTree>
     <p:extLst>
       <p:ext uri="{BB962C8B-B14F-4D97-AF65-F5344CB8AC3E}">
-        <p14:creationId xmlns:p14="http://schemas.microsoft.com/office/powerpoint/2010/main" val="3973716751"/>
+        <p14:creationId xmlns:p14="http://schemas.microsoft.com/office/powerpoint/2010/main" val="2951907262"/>
       </p:ext>
     </p:extLst>
   </p:cSld>
@@ -2763,7 +2763,7 @@
           <p:cNvPr id="2" name="标题占位符 1">
             <a:extLst>
               <a:ext uri="{FF2B5EF4-FFF2-40B4-BE49-F238E27FC236}">
-                <a16:creationId xmlns:a16="http://schemas.microsoft.com/office/drawing/2014/main" id="{3F02C528-32FF-AFFC-3FA4-0323D15220CF}"/>
+                <a16:creationId xmlns:a16="http://schemas.microsoft.com/office/drawing/2014/main" id="{103265E7-8AB3-1EAC-70EE-D288CD9C607A}"/>
               </a:ext>
             </a:extLst>
           </p:cNvPr>
@@ -2801,7 +2801,7 @@
           <p:cNvPr id="3" name="文本占位符 2">
             <a:extLst>
               <a:ext uri="{FF2B5EF4-FFF2-40B4-BE49-F238E27FC236}">
-                <a16:creationId xmlns:a16="http://schemas.microsoft.com/office/drawing/2014/main" id="{E629A17E-6410-17AC-65C0-84EEAD679518}"/>
+                <a16:creationId xmlns:a16="http://schemas.microsoft.com/office/drawing/2014/main" id="{C9019953-7BE8-FE6F-EC8A-99D003173E86}"/>
               </a:ext>
             </a:extLst>
           </p:cNvPr>
@@ -2868,7 +2868,7 @@
           <p:cNvPr id="4" name="日期占位符 3">
             <a:extLst>
               <a:ext uri="{FF2B5EF4-FFF2-40B4-BE49-F238E27FC236}">
-                <a16:creationId xmlns:a16="http://schemas.microsoft.com/office/drawing/2014/main" id="{34A6D014-FDC4-6C57-A667-7D5A2B82DF2F}"/>
+                <a16:creationId xmlns:a16="http://schemas.microsoft.com/office/drawing/2014/main" id="{B07715F3-0E94-0412-B770-D6CFFE46E1D6}"/>
               </a:ext>
             </a:extLst>
           </p:cNvPr>
@@ -2902,7 +2902,7 @@
             </a:lvl1pPr>
           </a:lstStyle>
           <a:p>
-            <a:fld id="{040BCF78-AE48-4B67-A45C-04175C2D5AD5}" type="datetimeFigureOut">
+            <a:fld id="{8CE45A09-A7C6-445F-A62E-BD052D4CDAB3}" type="datetimeFigureOut">
               <a:rPr lang="zh-CN" altLang="en-US" smtClean="0"/>
               <a:t>2024/3/10</a:t>
             </a:fld>
@@ -2915,7 +2915,7 @@
           <p:cNvPr id="5" name="页脚占位符 4">
             <a:extLst>
               <a:ext uri="{FF2B5EF4-FFF2-40B4-BE49-F238E27FC236}">
-                <a16:creationId xmlns:a16="http://schemas.microsoft.com/office/drawing/2014/main" id="{ADCCDEC5-94AD-E818-D14A-8E62CCD0FE26}"/>
+                <a16:creationId xmlns:a16="http://schemas.microsoft.com/office/drawing/2014/main" id="{CB431A57-9584-8C87-E711-F6EF7A0A2AB0}"/>
               </a:ext>
             </a:extLst>
           </p:cNvPr>
@@ -2958,7 +2958,7 @@
           <p:cNvPr id="6" name="灯片编号占位符 5">
             <a:extLst>
               <a:ext uri="{FF2B5EF4-FFF2-40B4-BE49-F238E27FC236}">
-                <a16:creationId xmlns:a16="http://schemas.microsoft.com/office/drawing/2014/main" id="{7C4278E6-4C90-84C1-2700-2E9750C23033}"/>
+                <a16:creationId xmlns:a16="http://schemas.microsoft.com/office/drawing/2014/main" id="{6C2CCEA7-3CB9-E44A-DA04-74BB8ABA3F1E}"/>
               </a:ext>
             </a:extLst>
           </p:cNvPr>
@@ -2992,7 +2992,7 @@
             </a:lvl1pPr>
           </a:lstStyle>
           <a:p>
-            <a:fld id="{3B17C50D-ACC8-4B34-9A45-D5DF73A602A9}" type="slidenum">
+            <a:fld id="{B439605C-42ED-4479-8F6F-24601DB23203}" type="slidenum">
               <a:rPr lang="zh-CN" altLang="en-US" smtClean="0"/>
               <a:t>‹#›</a:t>
             </a:fld>
@@ -3003,7 +3003,7 @@
     </p:spTree>
     <p:extLst>
       <p:ext uri="{BB962C8B-B14F-4D97-AF65-F5344CB8AC3E}">
-        <p14:creationId xmlns:p14="http://schemas.microsoft.com/office/powerpoint/2010/main" val="278954329"/>
+        <p14:creationId xmlns:p14="http://schemas.microsoft.com/office/powerpoint/2010/main" val="2449326381"/>
       </p:ext>
     </p:extLst>
   </p:cSld>
